--- a/이력서및포트폴리오_안명선/포트폴리오/문서외포트폴리오/Java툴/파일이름가져오는툴 사용법.pptx
+++ b/이력서및포트폴리오_안명선/포트폴리오/문서외포트폴리오/Java툴/파일이름가져오는툴 사용법.pptx
@@ -249,7 +249,7 @@
           <a:p>
             <a:fld id="{6776C01C-CA1E-42DC-B796-A16BC2D5057C}" type="datetimeFigureOut">
               <a:rPr lang="ko-KR" altLang="en-US" smtClean="0"/>
-              <a:t>2017-09-22</a:t>
+              <a:t>2019-07-03</a:t>
             </a:fld>
             <a:endParaRPr lang="ko-KR" altLang="en-US"/>
           </a:p>
@@ -419,7 +419,7 @@
           <a:p>
             <a:fld id="{6776C01C-CA1E-42DC-B796-A16BC2D5057C}" type="datetimeFigureOut">
               <a:rPr lang="ko-KR" altLang="en-US" smtClean="0"/>
-              <a:t>2017-09-22</a:t>
+              <a:t>2019-07-03</a:t>
             </a:fld>
             <a:endParaRPr lang="ko-KR" altLang="en-US"/>
           </a:p>
@@ -599,7 +599,7 @@
           <a:p>
             <a:fld id="{6776C01C-CA1E-42DC-B796-A16BC2D5057C}" type="datetimeFigureOut">
               <a:rPr lang="ko-KR" altLang="en-US" smtClean="0"/>
-              <a:t>2017-09-22</a:t>
+              <a:t>2019-07-03</a:t>
             </a:fld>
             <a:endParaRPr lang="ko-KR" altLang="en-US"/>
           </a:p>
@@ -769,7 +769,7 @@
           <a:p>
             <a:fld id="{6776C01C-CA1E-42DC-B796-A16BC2D5057C}" type="datetimeFigureOut">
               <a:rPr lang="ko-KR" altLang="en-US" smtClean="0"/>
-              <a:t>2017-09-22</a:t>
+              <a:t>2019-07-03</a:t>
             </a:fld>
             <a:endParaRPr lang="ko-KR" altLang="en-US"/>
           </a:p>
@@ -1015,7 +1015,7 @@
           <a:p>
             <a:fld id="{6776C01C-CA1E-42DC-B796-A16BC2D5057C}" type="datetimeFigureOut">
               <a:rPr lang="ko-KR" altLang="en-US" smtClean="0"/>
-              <a:t>2017-09-22</a:t>
+              <a:t>2019-07-03</a:t>
             </a:fld>
             <a:endParaRPr lang="ko-KR" altLang="en-US"/>
           </a:p>
@@ -1247,7 +1247,7 @@
           <a:p>
             <a:fld id="{6776C01C-CA1E-42DC-B796-A16BC2D5057C}" type="datetimeFigureOut">
               <a:rPr lang="ko-KR" altLang="en-US" smtClean="0"/>
-              <a:t>2017-09-22</a:t>
+              <a:t>2019-07-03</a:t>
             </a:fld>
             <a:endParaRPr lang="ko-KR" altLang="en-US"/>
           </a:p>
@@ -1614,7 +1614,7 @@
           <a:p>
             <a:fld id="{6776C01C-CA1E-42DC-B796-A16BC2D5057C}" type="datetimeFigureOut">
               <a:rPr lang="ko-KR" altLang="en-US" smtClean="0"/>
-              <a:t>2017-09-22</a:t>
+              <a:t>2019-07-03</a:t>
             </a:fld>
             <a:endParaRPr lang="ko-KR" altLang="en-US"/>
           </a:p>
@@ -1732,7 +1732,7 @@
           <a:p>
             <a:fld id="{6776C01C-CA1E-42DC-B796-A16BC2D5057C}" type="datetimeFigureOut">
               <a:rPr lang="ko-KR" altLang="en-US" smtClean="0"/>
-              <a:t>2017-09-22</a:t>
+              <a:t>2019-07-03</a:t>
             </a:fld>
             <a:endParaRPr lang="ko-KR" altLang="en-US"/>
           </a:p>
@@ -1827,7 +1827,7 @@
           <a:p>
             <a:fld id="{6776C01C-CA1E-42DC-B796-A16BC2D5057C}" type="datetimeFigureOut">
               <a:rPr lang="ko-KR" altLang="en-US" smtClean="0"/>
-              <a:t>2017-09-22</a:t>
+              <a:t>2019-07-03</a:t>
             </a:fld>
             <a:endParaRPr lang="ko-KR" altLang="en-US"/>
           </a:p>
@@ -2104,7 +2104,7 @@
           <a:p>
             <a:fld id="{6776C01C-CA1E-42DC-B796-A16BC2D5057C}" type="datetimeFigureOut">
               <a:rPr lang="ko-KR" altLang="en-US" smtClean="0"/>
-              <a:t>2017-09-22</a:t>
+              <a:t>2019-07-03</a:t>
             </a:fld>
             <a:endParaRPr lang="ko-KR" altLang="en-US"/>
           </a:p>
@@ -2357,7 +2357,7 @@
           <a:p>
             <a:fld id="{6776C01C-CA1E-42DC-B796-A16BC2D5057C}" type="datetimeFigureOut">
               <a:rPr lang="ko-KR" altLang="en-US" smtClean="0"/>
-              <a:t>2017-09-22</a:t>
+              <a:t>2019-07-03</a:t>
             </a:fld>
             <a:endParaRPr lang="ko-KR" altLang="en-US"/>
           </a:p>
@@ -2570,7 +2570,7 @@
           <a:p>
             <a:fld id="{6776C01C-CA1E-42DC-B796-A16BC2D5057C}" type="datetimeFigureOut">
               <a:rPr lang="ko-KR" altLang="en-US" smtClean="0"/>
-              <a:t>2017-09-22</a:t>
+              <a:t>2019-07-03</a:t>
             </a:fld>
             <a:endParaRPr lang="ko-KR" altLang="en-US"/>
           </a:p>
@@ -3000,7 +3000,6 @@
               <a:rPr lang="ko-KR" altLang="en-US" sz="3600" dirty="0"/>
               <a:t>사용법</a:t>
             </a:r>
-            <a:endParaRPr lang="ko-KR" altLang="en-US" sz="3600" dirty="0"/>
           </a:p>
         </p:txBody>
       </p:sp>
@@ -3088,12 +3087,17 @@
             </a:pPr>
             <a:r>
               <a:rPr lang="ko-KR" altLang="en-US" sz="1000" dirty="0" smtClean="0"/>
-              <a:t>테이블 관리자는 매주 아트 팀에서 만든 신규 게임 리소스의 파일 이름을 게임 테이블에 저장해야 한다</a:t>
+              <a:t>테이블 관리자는 매주 아트 팀에서 만든 신규 게임 리소스의 파일 이름을 게임 테이블에 저장해야 </a:t>
+            </a:r>
+            <a:r>
+              <a:rPr lang="ko-KR" altLang="en-US" sz="1000" dirty="0" smtClean="0"/>
+              <a:t>합니다</a:t>
             </a:r>
             <a:r>
               <a:rPr lang="en-US" altLang="ko-KR" sz="1000" dirty="0" smtClean="0"/>
               <a:t>.</a:t>
             </a:r>
+            <a:endParaRPr lang="en-US" altLang="ko-KR" sz="1000" dirty="0" smtClean="0"/>
           </a:p>
           <a:p>
             <a:pPr marL="171450" indent="-171450">
@@ -3138,7 +3142,11 @@
             </a:br>
             <a:r>
               <a:rPr lang="ko-KR" altLang="en-US" sz="1000" smtClean="0"/>
-              <a:t>각 리소스 파일 이름을 가져와서 테이블에 들어가는 형식으로 수정해 메모장에 저장하는 툴을 만듬</a:t>
+              <a:t>각 리소스 파일 이름을 가져와서 테이블에 들어가는 형식으로 수정해 메모장에 저장하는 </a:t>
+            </a:r>
+            <a:r>
+              <a:rPr lang="ko-KR" altLang="en-US" sz="1000" smtClean="0"/>
+              <a:t>툴을 제작 했습니다</a:t>
             </a:r>
             <a:r>
               <a:rPr lang="en-US" altLang="ko-KR" sz="1000" dirty="0" smtClean="0"/>
@@ -3275,7 +3283,7 @@
         <p:spPr>
           <a:xfrm>
             <a:off x="0" y="369332"/>
-            <a:ext cx="12192000" cy="553998"/>
+            <a:ext cx="12192000" cy="784830"/>
           </a:xfrm>
           <a:prstGeom prst="rect">
             <a:avLst/>
@@ -3313,12 +3321,17 @@
             </a:r>
             <a:r>
               <a:rPr lang="ko-KR" altLang="en-US" sz="1000" smtClean="0"/>
-              <a:t>를 설치해야 한다</a:t>
+              <a:t>를 설치해야 </a:t>
+            </a:r>
+            <a:r>
+              <a:rPr lang="ko-KR" altLang="en-US" sz="1000" smtClean="0"/>
+              <a:t>합니다</a:t>
             </a:r>
             <a:r>
               <a:rPr lang="en-US" altLang="ko-KR" sz="1000" dirty="0" smtClean="0"/>
               <a:t>.</a:t>
             </a:r>
+            <a:endParaRPr lang="en-US" altLang="ko-KR" sz="1000" dirty="0" smtClean="0"/>
           </a:p>
           <a:p>
             <a:pPr marL="171450" indent="-171450">
@@ -3338,7 +3351,64 @@
             </a:r>
             <a:r>
               <a:rPr lang="ko-KR" altLang="en-US" sz="1000" smtClean="0"/>
-              <a:t>를 컴퓨터에 설치해야 한다</a:t>
+              <a:t>를 컴퓨터에 설치해야 </a:t>
+            </a:r>
+            <a:r>
+              <a:rPr lang="ko-KR" altLang="en-US" sz="1000" smtClean="0"/>
+              <a:t>합니다</a:t>
+            </a:r>
+            <a:r>
+              <a:rPr lang="en-US" altLang="ko-KR" sz="1000" dirty="0" smtClean="0"/>
+              <a:t>.</a:t>
+            </a:r>
+          </a:p>
+          <a:p>
+            <a:pPr marL="171450" indent="-171450">
+              <a:lnSpc>
+                <a:spcPct val="150000"/>
+              </a:lnSpc>
+              <a:buFontTx/>
+              <a:buChar char="-"/>
+            </a:pPr>
+            <a:r>
+              <a:rPr lang="ko-KR" altLang="en-US" sz="1000" dirty="0" smtClean="0"/>
+              <a:t>만약 자바 파일을 열 수 있는 문서 편집기가 없다면 같이 있는 </a:t>
+            </a:r>
+            <a:r>
+              <a:rPr lang="en-US" altLang="ko-KR" sz="1000" dirty="0" err="1" smtClean="0"/>
+              <a:t>MainDriven</a:t>
+            </a:r>
+            <a:r>
+              <a:rPr lang="ko-KR" altLang="en-US" sz="1000" smtClean="0"/>
+              <a:t>코드</a:t>
+            </a:r>
+            <a:r>
+              <a:rPr lang="en-US" altLang="ko-KR" sz="1000" dirty="0" smtClean="0"/>
+              <a:t>.txt </a:t>
+            </a:r>
+            <a:r>
+              <a:rPr lang="ko-KR" altLang="en-US" sz="1000" smtClean="0"/>
+              <a:t>문서와 </a:t>
+            </a:r>
+            <a:r>
+              <a:rPr lang="en-US" altLang="ko-KR" sz="1000" dirty="0" err="1" smtClean="0"/>
+              <a:t>TakeFileName</a:t>
+            </a:r>
+            <a:r>
+              <a:rPr lang="ko-KR" altLang="en-US" sz="1000" smtClean="0"/>
+              <a:t>코드</a:t>
+            </a:r>
+            <a:r>
+              <a:rPr lang="en-US" altLang="ko-KR" sz="1000" dirty="0" smtClean="0"/>
+              <a:t>.</a:t>
+            </a:r>
+            <a:r>
+              <a:rPr lang="en-US" altLang="ko-KR" sz="1000" dirty="0" smtClean="0"/>
+              <a:t>txt </a:t>
+            </a:r>
+            <a:r>
+              <a:rPr lang="ko-KR" altLang="en-US" sz="1000" smtClean="0"/>
+              <a:t>문서를 참조하십시오</a:t>
             </a:r>
             <a:r>
               <a:rPr lang="en-US" altLang="ko-KR" sz="1000" dirty="0" smtClean="0"/>
@@ -3425,7 +3495,7 @@
         <p:spPr>
           <a:xfrm>
             <a:off x="0" y="369332"/>
-            <a:ext cx="12192000" cy="293414"/>
+            <a:ext cx="12192000" cy="323165"/>
           </a:xfrm>
           <a:prstGeom prst="rect">
             <a:avLst/>
@@ -3463,7 +3533,11 @@
             </a:r>
             <a:r>
               <a:rPr lang="ko-KR" altLang="en-US" sz="1000" smtClean="0"/>
-              <a:t>폴더를 열고 그곳에 아래와 같이 테이블에 입력해야 할 리소스 파일들을 복사해서 저장한다</a:t>
+              <a:t>폴더를 열고 그곳에 아래와 같이 테이블에 입력해야 할 리소스 파일들을 복사해서 </a:t>
+            </a:r>
+            <a:r>
+              <a:rPr lang="ko-KR" altLang="en-US" sz="1000" smtClean="0"/>
+              <a:t>저장하십시오</a:t>
             </a:r>
             <a:r>
               <a:rPr lang="en-US" altLang="ko-KR" sz="1000" dirty="0" smtClean="0"/>
@@ -3952,7 +4026,11 @@
             </a:r>
             <a:r>
               <a:rPr lang="ko-KR" altLang="en-US" sz="1000" smtClean="0"/>
-              <a:t>툴을 실행 시킨다</a:t>
+              <a:t>툴을 실행 </a:t>
+            </a:r>
+            <a:r>
+              <a:rPr lang="ko-KR" altLang="en-US" sz="1000" smtClean="0"/>
+              <a:t>시키십시오</a:t>
             </a:r>
             <a:r>
               <a:rPr lang="en-US" altLang="ko-KR" sz="1000" dirty="0" smtClean="0"/>
@@ -4240,7 +4318,11 @@
             </a:r>
             <a:r>
               <a:rPr lang="ko-KR" altLang="en-US" sz="1000" smtClean="0"/>
-              <a:t>창에 현재 해당 프로젝트 폴더가 있는 경로가 나온다</a:t>
+              <a:t>창에 현재 해당 프로젝트 폴더가 있는 경로가 </a:t>
+            </a:r>
+            <a:r>
+              <a:rPr lang="ko-KR" altLang="en-US" sz="1000" smtClean="0"/>
+              <a:t>나옵니다</a:t>
             </a:r>
             <a:r>
               <a:rPr lang="en-US" altLang="ko-KR" sz="1000" dirty="0" smtClean="0"/>
@@ -4295,7 +4377,11 @@
             </a:r>
             <a:r>
               <a:rPr lang="ko-KR" altLang="en-US" sz="1000" smtClean="0"/>
-              <a:t>라는 메모장 파일이 생성된 것을 볼 수 있다</a:t>
+              <a:t>라는 메모장 파일이 생성된 것을 볼 수 </a:t>
+            </a:r>
+            <a:r>
+              <a:rPr lang="ko-KR" altLang="en-US" sz="1000" smtClean="0"/>
+              <a:t>있습니다</a:t>
             </a:r>
             <a:r>
               <a:rPr lang="en-US" altLang="ko-KR" sz="1000" dirty="0" smtClean="0"/>
@@ -4585,11 +4671,19 @@
             </a:r>
             <a:r>
               <a:rPr lang="ko-KR" altLang="en-US" sz="1000" smtClean="0"/>
-              <a:t>파일을 열어보면 아래와 같이 각 리소스 파일 이름을 테이블에 들어가야 하는 형식으로 변형한 내용이 보인다</a:t>
+              <a:t>파일을 열어보면 아래와 같이 각 리소스 파일 이름을 테이블에 들어가야 하는 형식으로 변형한 내용이 </a:t>
+            </a:r>
+            <a:r>
+              <a:rPr lang="ko-KR" altLang="en-US" sz="1000" smtClean="0"/>
+              <a:t>보입니다</a:t>
             </a:r>
             <a:r>
               <a:rPr lang="en-US" altLang="ko-KR" sz="1000" dirty="0" smtClean="0"/>
               <a:t>.</a:t>
+            </a:r>
+            <a:r>
+              <a:rPr lang="en-US" altLang="ko-KR" sz="1000" dirty="0" smtClean="0"/>
+              <a:t/>
             </a:r>
             <a:br>
               <a:rPr lang="en-US" altLang="ko-KR" sz="1000" dirty="0" smtClean="0"/>
@@ -4604,10 +4698,14 @@
             </a:r>
             <a:r>
               <a:rPr lang="ko-KR" altLang="en-US" sz="1000" smtClean="0"/>
-              <a:t>줄은 빼고 나머지를 복사해서 테이블에 그대로 붙여넣기를 하면 된다</a:t>
-            </a:r>
-            <a:r>
-              <a:rPr lang="en-US" altLang="ko-KR" sz="1000" dirty="0" smtClean="0"/>
+              <a:t>줄은 빼고 나머지를 복사해서 테이블에 그대로 붙여넣기를 하면 </a:t>
+            </a:r>
+            <a:r>
+              <a:rPr lang="ko-KR" altLang="en-US" sz="1000" smtClean="0"/>
+              <a:t>됩니다</a:t>
+            </a:r>
+            <a:r>
+              <a:rPr lang="en-US" altLang="ko-KR" sz="1000" smtClean="0"/>
               <a:t>.</a:t>
             </a:r>
             <a:endParaRPr lang="en-US" altLang="ko-KR" sz="1000" dirty="0" smtClean="0"/>
